--- a/resources/images/compass_face.pptx
+++ b/resources/images/compass_face.pptx
@@ -3171,8 +3171,9 @@
               <a:avLst/>
             </a:prstGeom>
             <a:solidFill>
-              <a:schemeClr val="bg1">
-                <a:lumMod val="50000"/>
+              <a:schemeClr val="tx1">
+                <a:lumMod val="75000"/>
+                <a:lumOff val="25000"/>
               </a:schemeClr>
             </a:solidFill>
             <a:ln>
